--- a/doc/游戏服务器引擎.pptx
+++ b/doc/游戏服务器引擎.pptx
@@ -6501,7 +6501,9 @@
         </p:nvSpPr>
         <p:spPr/>
         <p:txBody>
-          <a:bodyPr/>
+          <a:bodyPr>
+            <a:normAutofit lnSpcReduction="10000"/>
+          </a:bodyPr>
           <a:lstStyle/>
           <a:p>
             <a:r>
@@ -6509,7 +6511,21 @@
               <a:t>支持</a:t>
             </a:r>
             <a:r>
-              <a:rPr lang="en-US" altLang="zh-CN" smtClean="0"/>
+              <a:rPr lang="en-US" altLang="zh-CN" sz="3600" smtClean="0">
+                <a:ln w="22225">
+                  <a:solidFill>
+                    <a:schemeClr val="accent2"/>
+                  </a:solidFill>
+                  <a:prstDash val="solid"/>
+                </a:ln>
+                <a:solidFill>
+                  <a:schemeClr val="accent2">
+                    <a:lumMod val="40000"/>
+                    <a:lumOff val="60000"/>
+                  </a:schemeClr>
+                </a:solidFill>
+                <a:effectLst/>
+              </a:rPr>
               <a:t>10</a:t>
             </a:r>
             <a:r>
@@ -6528,7 +6544,21 @@
               <a:t>大场景支持</a:t>
             </a:r>
             <a:r>
-              <a:rPr lang="en-US" altLang="zh-CN" smtClean="0"/>
+              <a:rPr lang="en-US" altLang="zh-CN" sz="2800" smtClean="0">
+                <a:ln w="22225">
+                  <a:solidFill>
+                    <a:schemeClr val="accent2"/>
+                  </a:solidFill>
+                  <a:prstDash val="solid"/>
+                </a:ln>
+                <a:solidFill>
+                  <a:schemeClr val="accent2">
+                    <a:lumMod val="40000"/>
+                    <a:lumOff val="60000"/>
+                  </a:schemeClr>
+                </a:solidFill>
+                <a:effectLst/>
+              </a:rPr>
               <a:t>3000</a:t>
             </a:r>
             <a:r>
@@ -6717,11 +6747,7 @@
           <a:p>
             <a:r>
               <a:rPr lang="zh-CN" altLang="en-US"/>
-              <a:t>各类手机联网</a:t>
-            </a:r>
-            <a:r>
-              <a:rPr lang="zh-CN" altLang="en-US"/>
-              <a:t>卡牌游戏</a:t>
+              <a:t>各类手机联网卡牌游戏</a:t>
             </a:r>
             <a:endParaRPr lang="zh-CN" altLang="en-US"/>
           </a:p>
